--- a/resource/ラグランジュの未定乗数法+KKT条件.pptx
+++ b/resource/ラグランジュの未定乗数法+KKT条件.pptx
@@ -313,7 +313,7 @@
           <a:p>
             <a:fld id="{90D932C6-AD64-43F7-B0F8-38EBEF745F81}" type="datetimeFigureOut">
               <a:rPr kumimoji="1" lang="ja-JP" altLang="en-US" smtClean="0"/>
-              <a:t>2022/8/13</a:t>
+              <a:t>2023/10/3</a:t>
             </a:fld>
             <a:endParaRPr kumimoji="1" lang="ja-JP" altLang="en-US"/>
           </a:p>
@@ -543,7 +543,7 @@
           <a:p>
             <a:fld id="{90D932C6-AD64-43F7-B0F8-38EBEF745F81}" type="datetimeFigureOut">
               <a:rPr kumimoji="1" lang="ja-JP" altLang="en-US" smtClean="0"/>
-              <a:t>2022/8/13</a:t>
+              <a:t>2023/10/3</a:t>
             </a:fld>
             <a:endParaRPr kumimoji="1" lang="ja-JP" altLang="en-US"/>
           </a:p>
@@ -783,7 +783,7 @@
           <a:p>
             <a:fld id="{90D932C6-AD64-43F7-B0F8-38EBEF745F81}" type="datetimeFigureOut">
               <a:rPr kumimoji="1" lang="ja-JP" altLang="en-US" smtClean="0"/>
-              <a:t>2022/8/13</a:t>
+              <a:t>2023/10/3</a:t>
             </a:fld>
             <a:endParaRPr kumimoji="1" lang="ja-JP" altLang="en-US"/>
           </a:p>
@@ -1013,7 +1013,7 @@
           <a:p>
             <a:fld id="{90D932C6-AD64-43F7-B0F8-38EBEF745F81}" type="datetimeFigureOut">
               <a:rPr kumimoji="1" lang="ja-JP" altLang="en-US" smtClean="0"/>
-              <a:t>2022/8/13</a:t>
+              <a:t>2023/10/3</a:t>
             </a:fld>
             <a:endParaRPr kumimoji="1" lang="ja-JP" altLang="en-US"/>
           </a:p>
@@ -1288,7 +1288,7 @@
           <a:p>
             <a:fld id="{90D932C6-AD64-43F7-B0F8-38EBEF745F81}" type="datetimeFigureOut">
               <a:rPr kumimoji="1" lang="ja-JP" altLang="en-US" smtClean="0"/>
-              <a:t>2022/8/13</a:t>
+              <a:t>2023/10/3</a:t>
             </a:fld>
             <a:endParaRPr kumimoji="1" lang="ja-JP" altLang="en-US"/>
           </a:p>
@@ -1617,7 +1617,7 @@
           <a:p>
             <a:fld id="{90D932C6-AD64-43F7-B0F8-38EBEF745F81}" type="datetimeFigureOut">
               <a:rPr kumimoji="1" lang="ja-JP" altLang="en-US" smtClean="0"/>
-              <a:t>2022/8/13</a:t>
+              <a:t>2023/10/3</a:t>
             </a:fld>
             <a:endParaRPr kumimoji="1" lang="ja-JP" altLang="en-US"/>
           </a:p>
@@ -2093,7 +2093,7 @@
           <a:p>
             <a:fld id="{90D932C6-AD64-43F7-B0F8-38EBEF745F81}" type="datetimeFigureOut">
               <a:rPr kumimoji="1" lang="ja-JP" altLang="en-US" smtClean="0"/>
-              <a:t>2022/8/13</a:t>
+              <a:t>2023/10/3</a:t>
             </a:fld>
             <a:endParaRPr kumimoji="1" lang="ja-JP" altLang="en-US"/>
           </a:p>
@@ -2234,7 +2234,7 @@
           <a:p>
             <a:fld id="{90D932C6-AD64-43F7-B0F8-38EBEF745F81}" type="datetimeFigureOut">
               <a:rPr kumimoji="1" lang="ja-JP" altLang="en-US" smtClean="0"/>
-              <a:t>2022/8/13</a:t>
+              <a:t>2023/10/3</a:t>
             </a:fld>
             <a:endParaRPr kumimoji="1" lang="ja-JP" altLang="en-US"/>
           </a:p>
@@ -2347,7 +2347,7 @@
           <a:p>
             <a:fld id="{90D932C6-AD64-43F7-B0F8-38EBEF745F81}" type="datetimeFigureOut">
               <a:rPr kumimoji="1" lang="ja-JP" altLang="en-US" smtClean="0"/>
-              <a:t>2022/8/13</a:t>
+              <a:t>2023/10/3</a:t>
             </a:fld>
             <a:endParaRPr kumimoji="1" lang="ja-JP" altLang="en-US"/>
           </a:p>
@@ -2690,7 +2690,7 @@
           <a:p>
             <a:fld id="{90D932C6-AD64-43F7-B0F8-38EBEF745F81}" type="datetimeFigureOut">
               <a:rPr kumimoji="1" lang="ja-JP" altLang="en-US" smtClean="0"/>
-              <a:t>2022/8/13</a:t>
+              <a:t>2023/10/3</a:t>
             </a:fld>
             <a:endParaRPr kumimoji="1" lang="ja-JP" altLang="en-US"/>
           </a:p>
@@ -2978,7 +2978,7 @@
           <a:p>
             <a:fld id="{90D932C6-AD64-43F7-B0F8-38EBEF745F81}" type="datetimeFigureOut">
               <a:rPr kumimoji="1" lang="ja-JP" altLang="en-US" smtClean="0"/>
-              <a:t>2022/8/13</a:t>
+              <a:t>2023/10/3</a:t>
             </a:fld>
             <a:endParaRPr kumimoji="1" lang="ja-JP" altLang="en-US"/>
           </a:p>
@@ -3251,7 +3251,7 @@
           <a:p>
             <a:fld id="{90D932C6-AD64-43F7-B0F8-38EBEF745F81}" type="datetimeFigureOut">
               <a:rPr kumimoji="1" lang="ja-JP" altLang="en-US" smtClean="0"/>
-              <a:t>2022/8/13</a:t>
+              <a:t>2023/10/3</a:t>
             </a:fld>
             <a:endParaRPr kumimoji="1" lang="ja-JP" altLang="en-US"/>
           </a:p>
@@ -5507,14 +5507,14 @@
           <a:lstStyle/>
           <a:p>
             <a:r>
-              <a:rPr lang="ja-JP" altLang="en-US"/>
+              <a:rPr lang="ja-JP" altLang="en-US" dirty="0"/>
               <a:t>両方の接平面</a:t>
             </a:r>
-            <a:endParaRPr lang="en-US" altLang="ja-JP"/>
+            <a:endParaRPr lang="en-US" altLang="ja-JP" dirty="0"/>
           </a:p>
           <a:p>
             <a:r>
-              <a:rPr kumimoji="1" lang="ja-JP" altLang="en-US"/>
+              <a:rPr kumimoji="1" lang="ja-JP" altLang="en-US" dirty="0"/>
               <a:t>→接平面の交線は、軌跡の接線</a:t>
             </a:r>
           </a:p>
@@ -5980,34 +5980,34 @@
           <a:lstStyle/>
           <a:p>
             <a:r>
-              <a:rPr lang="ja-JP" altLang="en-US"/>
+              <a:rPr lang="ja-JP" altLang="en-US" dirty="0"/>
               <a:t>軌跡の接線に垂直な平面を求めれば</a:t>
             </a:r>
             <a:r>
-              <a:rPr lang="en-US" altLang="ja-JP"/>
+              <a:rPr lang="en-US" altLang="ja-JP" dirty="0"/>
               <a:t>OK</a:t>
             </a:r>
           </a:p>
           <a:p>
             <a:r>
-              <a:rPr lang="ja-JP" altLang="en-US"/>
+              <a:rPr lang="ja-JP" altLang="en-US" dirty="0"/>
               <a:t>→</a:t>
             </a:r>
-            <a:endParaRPr lang="en-US" altLang="ja-JP"/>
+            <a:endParaRPr lang="en-US" altLang="ja-JP" dirty="0"/>
           </a:p>
           <a:p>
             <a:r>
-              <a:rPr lang="ja-JP" altLang="en-US"/>
+              <a:rPr lang="ja-JP" altLang="en-US" dirty="0"/>
               <a:t>これは、緑の法線ベクトルと</a:t>
             </a:r>
-            <a:endParaRPr lang="en-US" altLang="ja-JP"/>
+            <a:endParaRPr lang="en-US" altLang="ja-JP" dirty="0"/>
           </a:p>
           <a:p>
             <a:r>
-              <a:rPr lang="ja-JP" altLang="en-US"/>
+              <a:rPr lang="ja-JP" altLang="en-US" dirty="0"/>
               <a:t>赤の法線ベクトルが成す平面</a:t>
             </a:r>
-            <a:endParaRPr lang="en-US" altLang="ja-JP"/>
+            <a:endParaRPr lang="en-US" altLang="ja-JP" dirty="0"/>
           </a:p>
         </p:txBody>
       </p:sp>
@@ -6528,61 +6528,61 @@
               <a:lstStyle/>
               <a:p>
                 <a:r>
-                  <a:rPr lang="en-US" altLang="ja-JP"/>
+                  <a:rPr lang="en-US" altLang="ja-JP" dirty="0"/>
                   <a:t>f(x)</a:t>
                 </a:r>
                 <a:r>
-                  <a:rPr lang="ja-JP" altLang="en-US"/>
+                  <a:rPr lang="ja-JP" altLang="en-US" dirty="0"/>
                   <a:t>の接平面の法線ベクトルが、</a:t>
                 </a:r>
-                <a:endParaRPr lang="en-US" altLang="ja-JP"/>
+                <a:endParaRPr lang="en-US" altLang="ja-JP" dirty="0"/>
               </a:p>
               <a:p>
                 <a:r>
-                  <a:rPr lang="ja-JP" altLang="en-US"/>
+                  <a:rPr lang="ja-JP" altLang="en-US" dirty="0"/>
                   <a:t>緑の法線ベクトルと</a:t>
                 </a:r>
-                <a:endParaRPr lang="en-US" altLang="ja-JP"/>
+                <a:endParaRPr lang="en-US" altLang="ja-JP" dirty="0"/>
               </a:p>
               <a:p>
                 <a:r>
-                  <a:rPr lang="ja-JP" altLang="en-US"/>
+                  <a:rPr lang="ja-JP" altLang="en-US" dirty="0"/>
                   <a:t>赤の法線ベクトルが成す平面</a:t>
                 </a:r>
                 <a:r>
-                  <a:rPr lang="en-US" altLang="ja-JP"/>
+                  <a:rPr lang="en-US" altLang="ja-JP" dirty="0"/>
                   <a:t>(</a:t>
                 </a:r>
                 <a:r>
-                  <a:rPr lang="ja-JP" altLang="en-US"/>
+                  <a:rPr lang="ja-JP" altLang="en-US" dirty="0"/>
                   <a:t>水色</a:t>
                 </a:r>
                 <a:r>
-                  <a:rPr lang="en-US" altLang="ja-JP"/>
+                  <a:rPr lang="en-US" altLang="ja-JP" dirty="0"/>
                   <a:t>)</a:t>
                 </a:r>
                 <a:r>
-                  <a:rPr lang="ja-JP" altLang="en-US"/>
+                  <a:rPr lang="ja-JP" altLang="en-US" dirty="0"/>
                   <a:t>に</a:t>
                 </a:r>
-                <a:endParaRPr lang="en-US" altLang="ja-JP"/>
+                <a:endParaRPr lang="en-US" altLang="ja-JP" dirty="0"/>
               </a:p>
               <a:p>
                 <a:r>
-                  <a:rPr lang="ja-JP" altLang="en-US"/>
+                  <a:rPr lang="ja-JP" altLang="en-US" dirty="0"/>
                   <a:t>含まれていれば</a:t>
                 </a:r>
                 <a:r>
-                  <a:rPr lang="en-US" altLang="ja-JP"/>
+                  <a:rPr lang="en-US" altLang="ja-JP" dirty="0"/>
                   <a:t>OK</a:t>
                 </a:r>
               </a:p>
               <a:p>
                 <a:r>
-                  <a:rPr lang="ja-JP" altLang="en-US"/>
+                  <a:rPr lang="ja-JP" altLang="en-US" dirty="0"/>
                   <a:t>→</a:t>
                 </a:r>
-                <a:endParaRPr lang="en-US" altLang="ja-JP"/>
+                <a:endParaRPr lang="en-US" altLang="ja-JP" dirty="0"/>
               </a:p>
               <a:p>
                 <a:pPr/>
@@ -6818,14 +6818,14 @@
                     </m:oMath>
                   </m:oMathPara>
                 </a14:m>
-                <a:endParaRPr lang="en-US" altLang="ja-JP"/>
+                <a:endParaRPr lang="en-US" altLang="ja-JP" dirty="0"/>
               </a:p>
               <a:p>
                 <a:r>
-                  <a:rPr lang="ja-JP" altLang="en-US"/>
+                  <a:rPr lang="ja-JP" altLang="en-US" dirty="0"/>
                   <a:t>→</a:t>
                 </a:r>
-                <a:endParaRPr lang="en-US" altLang="ja-JP"/>
+                <a:endParaRPr lang="en-US" altLang="ja-JP" dirty="0"/>
               </a:p>
               <a:p>
                 <a:pPr/>
@@ -7044,10 +7044,10 @@
                     </m:oMath>
                   </m:oMathPara>
                 </a14:m>
-                <a:endParaRPr lang="en-US" altLang="ja-JP"/>
+                <a:endParaRPr lang="en-US" altLang="ja-JP" dirty="0"/>
               </a:p>
               <a:p>
-                <a:endParaRPr lang="en-US" altLang="ja-JP"/>
+                <a:endParaRPr lang="en-US" altLang="ja-JP" dirty="0"/>
               </a:p>
             </p:txBody>
           </p:sp>
@@ -8074,8 +8074,8 @@
           </p:sp>
         </mc:Fallback>
       </mc:AlternateContent>
-      <mc:AlternateContent xmlns:mc="http://schemas.openxmlformats.org/markup-compatibility/2006" xmlns:a14="http://schemas.microsoft.com/office/drawing/2010/main">
-        <mc:Choice Requires="a14">
+      <mc:AlternateContent xmlns:mc="http://schemas.openxmlformats.org/markup-compatibility/2006">
+        <mc:Choice xmlns:a14="http://schemas.microsoft.com/office/drawing/2010/main" Requires="a14">
           <p:sp>
             <p:nvSpPr>
               <p:cNvPr id="14" name="テキスト ボックス 13">
@@ -8091,7 +8091,7 @@
             <p:spPr>
               <a:xfrm>
                 <a:off x="5695426" y="2731553"/>
-                <a:ext cx="5973687" cy="2379626"/>
+                <a:ext cx="5259325" cy="2379626"/>
               </a:xfrm>
               <a:prstGeom prst="rect">
                 <a:avLst/>
@@ -8138,7 +8138,7 @@
                   </m:oMath>
                 </a14:m>
                 <a:r>
-                  <a:rPr lang="ja-JP" altLang="en-US">
+                  <a:rPr lang="ja-JP" altLang="en-US" dirty="0">
                     <a:latin typeface="Cambria Math" panose="02040503050406030204" pitchFamily="18" charset="0"/>
                   </a:rPr>
                   <a:t>の制約条件で</a:t>
@@ -8171,23 +8171,23 @@
                   </m:oMath>
                 </a14:m>
                 <a:r>
-                  <a:rPr lang="ja-JP" altLang="en-US">
+                  <a:rPr lang="ja-JP" altLang="en-US" dirty="0">
                     <a:latin typeface="Cambria Math" panose="02040503050406030204" pitchFamily="18" charset="0"/>
                   </a:rPr>
                   <a:t>の最大値を求めたい！</a:t>
                 </a:r>
-                <a:endParaRPr lang="en-US" altLang="ja-JP">
+                <a:endParaRPr lang="en-US" altLang="ja-JP" dirty="0">
                   <a:latin typeface="Cambria Math" panose="02040503050406030204" pitchFamily="18" charset="0"/>
                 </a:endParaRPr>
               </a:p>
               <a:p>
-                <a:endParaRPr lang="en-US" altLang="ja-JP" i="1">
+                <a:endParaRPr lang="en-US" altLang="ja-JP" i="1" dirty="0">
                   <a:latin typeface="Cambria Math" panose="02040503050406030204" pitchFamily="18" charset="0"/>
                 </a:endParaRPr>
               </a:p>
               <a:p>
                 <a:r>
-                  <a:rPr lang="ja-JP" altLang="en-US" b="0"/>
+                  <a:rPr lang="ja-JP" altLang="en-US" b="0" dirty="0"/>
                   <a:t>このとき</a:t>
                 </a:r>
                 <a14:m>
@@ -8218,23 +8218,23 @@
                   </m:oMath>
                 </a14:m>
                 <a:r>
-                  <a:rPr lang="ja-JP" altLang="en-US">
+                  <a:rPr lang="ja-JP" altLang="en-US" dirty="0">
                     <a:latin typeface="Cambria Math" panose="02040503050406030204" pitchFamily="18" charset="0"/>
                   </a:rPr>
                   <a:t>の極値は、下記のいずれかを満たす</a:t>
                 </a:r>
-                <a:endParaRPr lang="en-US" altLang="ja-JP">
+                <a:endParaRPr lang="en-US" altLang="ja-JP" dirty="0">
                   <a:latin typeface="Cambria Math" panose="02040503050406030204" pitchFamily="18" charset="0"/>
                 </a:endParaRPr>
               </a:p>
               <a:p>
-                <a:endParaRPr lang="en-US" altLang="ja-JP" b="0" i="1">
+                <a:endParaRPr lang="en-US" altLang="ja-JP" b="0" i="1" dirty="0">
                   <a:latin typeface="Cambria Math" panose="02040503050406030204" pitchFamily="18" charset="0"/>
                 </a:endParaRPr>
               </a:p>
               <a:p>
                 <a:r>
-                  <a:rPr lang="ja-JP" altLang="en-US" b="0"/>
+                  <a:rPr lang="ja-JP" altLang="en-US" b="0" dirty="0"/>
                   <a:t>・</a:t>
                 </a:r>
                 <a14:m>
@@ -8325,19 +8325,19 @@
                     </m:r>
                   </m:oMath>
                 </a14:m>
-                <a:endParaRPr lang="en-US" altLang="ja-JP">
+                <a:endParaRPr lang="en-US" altLang="ja-JP" dirty="0">
                   <a:latin typeface="Cambria Math" panose="02040503050406030204" pitchFamily="18" charset="0"/>
                 </a:endParaRPr>
               </a:p>
               <a:p>
                 <a:r>
-                  <a:rPr lang="ja-JP" altLang="en-US" b="0">
+                  <a:rPr lang="ja-JP" altLang="en-US" b="0" dirty="0">
                     <a:latin typeface="Cambria Math" panose="02040503050406030204" pitchFamily="18" charset="0"/>
                   </a:rPr>
                   <a:t>・</a:t>
                 </a:r>
                 <a:r>
-                  <a:rPr lang="ja-JP" altLang="en-US">
+                  <a:rPr lang="ja-JP" altLang="en-US" dirty="0">
                     <a:latin typeface="Cambria Math" panose="02040503050406030204" pitchFamily="18" charset="0"/>
                   </a:rPr>
                   <a:t>または</a:t>
@@ -8396,35 +8396,35 @@
                   </m:oMath>
                 </a14:m>
                 <a:r>
-                  <a:rPr lang="ja-JP" altLang="en-US" b="0">
+                  <a:rPr lang="ja-JP" altLang="en-US" b="0" dirty="0">
                     <a:latin typeface="Cambria Math" panose="02040503050406030204" pitchFamily="18" charset="0"/>
                   </a:rPr>
                   <a:t>　</a:t>
                 </a:r>
                 <a:r>
-                  <a:rPr lang="ja-JP" altLang="en-US" sz="1200" b="0">
+                  <a:rPr lang="ja-JP" altLang="en-US" sz="1200" b="0" dirty="0">
                     <a:latin typeface="Cambria Math" panose="02040503050406030204" pitchFamily="18" charset="0"/>
                   </a:rPr>
-                  <a:t>（こっちは特異点なので基本どうでもよい）</a:t>
+                  <a:t>（こっちは特異点）</a:t>
                 </a:r>
-                <a:endParaRPr lang="en-US" altLang="ja-JP" sz="1200" b="0">
+                <a:endParaRPr lang="en-US" altLang="ja-JP" sz="1200" b="0" dirty="0">
                   <a:latin typeface="Cambria Math" panose="02040503050406030204" pitchFamily="18" charset="0"/>
                 </a:endParaRPr>
               </a:p>
               <a:p>
                 <a:br>
-                  <a:rPr lang="en-US" altLang="ja-JP" i="1">
+                  <a:rPr lang="en-US" altLang="ja-JP" i="1" dirty="0">
                     <a:latin typeface="Cambria Math" panose="02040503050406030204" pitchFamily="18" charset="0"/>
                   </a:rPr>
                 </a:br>
-                <a:endParaRPr lang="en-US" altLang="ja-JP" b="0" i="1">
+                <a:endParaRPr lang="en-US" altLang="ja-JP" b="0" i="1" dirty="0">
                   <a:latin typeface="Cambria Math" panose="02040503050406030204" pitchFamily="18" charset="0"/>
                 </a:endParaRPr>
               </a:p>
             </p:txBody>
           </p:sp>
         </mc:Choice>
-        <mc:Fallback xmlns="">
+        <mc:Fallback>
           <p:sp>
             <p:nvSpPr>
               <p:cNvPr id="14" name="テキスト ボックス 13">
@@ -8442,7 +8442,7 @@
             <p:spPr>
               <a:xfrm>
                 <a:off x="5695426" y="2731553"/>
-                <a:ext cx="5973687" cy="2379626"/>
+                <a:ext cx="5259325" cy="2379626"/>
               </a:xfrm>
               <a:prstGeom prst="rect">
                 <a:avLst/>
@@ -8450,7 +8450,7 @@
               <a:blipFill>
                 <a:blip r:embed="rId8"/>
                 <a:stretch>
-                  <a:fillRect l="-816" t="-1026"/>
+                  <a:fillRect l="-927" t="-1026" r="-348"/>
                 </a:stretch>
               </a:blipFill>
             </p:spPr>
@@ -8524,8 +8524,8 @@
           </a:p>
         </p:txBody>
       </p:sp>
-      <mc:AlternateContent xmlns:mc="http://schemas.openxmlformats.org/markup-compatibility/2006">
-        <mc:Choice xmlns:a14="http://schemas.microsoft.com/office/drawing/2010/main" Requires="a14">
+      <mc:AlternateContent xmlns:mc="http://schemas.openxmlformats.org/markup-compatibility/2006" xmlns:a14="http://schemas.microsoft.com/office/drawing/2010/main">
+        <mc:Choice Requires="a14">
           <p:graphicFrame>
             <p:nvGraphicFramePr>
               <p:cNvPr id="3" name="表 3">
@@ -8600,7 +8600,7 @@
                         <a:lstStyle/>
                         <a:p>
                           <a:r>
-                            <a:rPr kumimoji="1" lang="ja-JP" altLang="en-US"/>
+                            <a:rPr kumimoji="1" lang="ja-JP" altLang="en-US" dirty="0"/>
                             <a:t>実行可能領域</a:t>
                           </a:r>
                         </a:p>
@@ -8613,7 +8613,7 @@
                         <a:lstStyle/>
                         <a:p>
                           <a:r>
-                            <a:rPr kumimoji="1" lang="ja-JP" altLang="en-US"/>
+                            <a:rPr kumimoji="1" lang="ja-JP" altLang="en-US" dirty="0"/>
                             <a:t>実行可能領域外</a:t>
                           </a:r>
                         </a:p>
@@ -8646,6 +8646,7 @@
                         <a:bodyPr/>
                         <a:lstStyle/>
                         <a:p>
+                          <a:pPr/>
                           <a14:m>
                             <m:oMathPara xmlns:m="http://schemas.openxmlformats.org/officeDocument/2006/math">
                               <m:oMathParaPr>
@@ -8679,7 +8680,7 @@
                               </m:oMath>
                             </m:oMathPara>
                           </a14:m>
-                          <a:endParaRPr kumimoji="1" lang="ja-JP" altLang="en-US"/>
+                          <a:endParaRPr kumimoji="1" lang="ja-JP" altLang="en-US" dirty="0"/>
                         </a:p>
                       </a:txBody>
                       <a:tcPr/>
@@ -8689,6 +8690,7 @@
                         <a:bodyPr/>
                         <a:lstStyle/>
                         <a:p>
+                          <a:pPr/>
                           <a14:m>
                             <m:oMathPara xmlns:m="http://schemas.openxmlformats.org/officeDocument/2006/math">
                               <m:oMathParaPr>
@@ -8773,7 +8775,7 @@
                               </m:oMath>
                             </m:oMathPara>
                           </a14:m>
-                          <a:endParaRPr kumimoji="1" lang="en-US" altLang="ja-JP" b="0"/>
+                          <a:endParaRPr kumimoji="1" lang="en-US" altLang="ja-JP" b="0" dirty="0"/>
                         </a:p>
                       </a:txBody>
                       <a:tcPr/>
@@ -8804,6 +8806,7 @@
                         <a:bodyPr/>
                         <a:lstStyle/>
                         <a:p>
+                          <a:pPr/>
                           <a14:m>
                             <m:oMathPara xmlns:m="http://schemas.openxmlformats.org/officeDocument/2006/math">
                               <m:oMathParaPr>
@@ -8871,7 +8874,7 @@
                               </m:oMath>
                             </m:oMathPara>
                           </a14:m>
-                          <a:endParaRPr kumimoji="1" lang="ja-JP" altLang="en-US"/>
+                          <a:endParaRPr kumimoji="1" lang="ja-JP" altLang="en-US" dirty="0"/>
                         </a:p>
                       </a:txBody>
                       <a:tcPr/>
@@ -8881,6 +8884,7 @@
                         <a:bodyPr/>
                         <a:lstStyle/>
                         <a:p>
+                          <a:pPr/>
                           <a14:m>
                             <m:oMathPara xmlns:m="http://schemas.openxmlformats.org/officeDocument/2006/math">
                               <m:oMathParaPr>
@@ -8913,7 +8917,7 @@
                               </m:oMath>
                             </m:oMathPara>
                           </a14:m>
-                          <a:endParaRPr kumimoji="1" lang="ja-JP" altLang="en-US"/>
+                          <a:endParaRPr kumimoji="1" lang="ja-JP" altLang="en-US" dirty="0"/>
                         </a:p>
                       </a:txBody>
                       <a:tcPr/>
@@ -8929,7 +8933,7 @@
             </a:graphic>
           </p:graphicFrame>
         </mc:Choice>
-        <mc:Fallback>
+        <mc:Fallback xmlns="">
           <p:graphicFrame>
             <p:nvGraphicFramePr>
               <p:cNvPr id="3" name="表 3">
@@ -9205,8 +9209,8 @@
           </a:p>
         </p:txBody>
       </p:sp>
-      <mc:AlternateContent xmlns:mc="http://schemas.openxmlformats.org/markup-compatibility/2006" xmlns:a14="http://schemas.microsoft.com/office/drawing/2010/main">
-        <mc:Choice Requires="a14">
+      <mc:AlternateContent xmlns:mc="http://schemas.openxmlformats.org/markup-compatibility/2006">
+        <mc:Choice xmlns:a14="http://schemas.microsoft.com/office/drawing/2010/main" Requires="a14">
           <p:sp>
             <p:nvSpPr>
               <p:cNvPr id="10" name="テキスト ボックス 9">
@@ -9222,7 +9226,7 @@
             <p:spPr>
               <a:xfrm>
                 <a:off x="838200" y="1758047"/>
-                <a:ext cx="5973687" cy="2379626"/>
+                <a:ext cx="5512022" cy="2379626"/>
               </a:xfrm>
               <a:prstGeom prst="rect">
                 <a:avLst/>
@@ -9269,7 +9273,7 @@
                   </m:oMath>
                 </a14:m>
                 <a:r>
-                  <a:rPr lang="ja-JP" altLang="en-US">
+                  <a:rPr lang="ja-JP" altLang="en-US" dirty="0">
                     <a:latin typeface="Cambria Math" panose="02040503050406030204" pitchFamily="18" charset="0"/>
                   </a:rPr>
                   <a:t>の制約条件で</a:t>
@@ -9302,23 +9306,23 @@
                   </m:oMath>
                 </a14:m>
                 <a:r>
-                  <a:rPr lang="ja-JP" altLang="en-US">
+                  <a:rPr lang="ja-JP" altLang="en-US" dirty="0">
                     <a:latin typeface="Cambria Math" panose="02040503050406030204" pitchFamily="18" charset="0"/>
                   </a:rPr>
                   <a:t>の最大値を求めたい！</a:t>
                 </a:r>
-                <a:endParaRPr lang="en-US" altLang="ja-JP">
+                <a:endParaRPr lang="en-US" altLang="ja-JP" dirty="0">
                   <a:latin typeface="Cambria Math" panose="02040503050406030204" pitchFamily="18" charset="0"/>
                 </a:endParaRPr>
               </a:p>
               <a:p>
-                <a:endParaRPr lang="en-US" altLang="ja-JP" i="1">
+                <a:endParaRPr lang="en-US" altLang="ja-JP" i="1" dirty="0">
                   <a:latin typeface="Cambria Math" panose="02040503050406030204" pitchFamily="18" charset="0"/>
                 </a:endParaRPr>
               </a:p>
               <a:p>
                 <a:r>
-                  <a:rPr lang="ja-JP" altLang="en-US" b="0"/>
+                  <a:rPr lang="ja-JP" altLang="en-US" b="0" dirty="0"/>
                   <a:t>このとき</a:t>
                 </a:r>
                 <a14:m>
@@ -9349,23 +9353,23 @@
                   </m:oMath>
                 </a14:m>
                 <a:r>
-                  <a:rPr lang="ja-JP" altLang="en-US">
+                  <a:rPr lang="ja-JP" altLang="en-US" dirty="0">
                     <a:latin typeface="Cambria Math" panose="02040503050406030204" pitchFamily="18" charset="0"/>
                   </a:rPr>
                   <a:t>の極値は、下記のいずれかを満たす</a:t>
                 </a:r>
-                <a:endParaRPr lang="en-US" altLang="ja-JP">
+                <a:endParaRPr lang="en-US" altLang="ja-JP" dirty="0">
                   <a:latin typeface="Cambria Math" panose="02040503050406030204" pitchFamily="18" charset="0"/>
                 </a:endParaRPr>
               </a:p>
               <a:p>
-                <a:endParaRPr lang="en-US" altLang="ja-JP" b="0" i="1">
+                <a:endParaRPr lang="en-US" altLang="ja-JP" b="0" i="1" dirty="0">
                   <a:latin typeface="Cambria Math" panose="02040503050406030204" pitchFamily="18" charset="0"/>
                 </a:endParaRPr>
               </a:p>
               <a:p>
                 <a:r>
-                  <a:rPr lang="ja-JP" altLang="en-US" b="0"/>
+                  <a:rPr lang="ja-JP" altLang="en-US" b="0" dirty="0"/>
                   <a:t>・</a:t>
                 </a:r>
                 <a14:m>
@@ -9456,19 +9460,19 @@
                     </m:r>
                   </m:oMath>
                 </a14:m>
-                <a:endParaRPr lang="en-US" altLang="ja-JP">
+                <a:endParaRPr lang="en-US" altLang="ja-JP" dirty="0">
                   <a:latin typeface="Cambria Math" panose="02040503050406030204" pitchFamily="18" charset="0"/>
                 </a:endParaRPr>
               </a:p>
               <a:p>
                 <a:r>
-                  <a:rPr lang="ja-JP" altLang="en-US" b="0">
+                  <a:rPr lang="ja-JP" altLang="en-US" b="0" dirty="0">
                     <a:latin typeface="Cambria Math" panose="02040503050406030204" pitchFamily="18" charset="0"/>
                   </a:rPr>
                   <a:t>・</a:t>
                 </a:r>
                 <a:r>
-                  <a:rPr lang="ja-JP" altLang="en-US">
+                  <a:rPr lang="ja-JP" altLang="en-US" dirty="0">
                     <a:latin typeface="Cambria Math" panose="02040503050406030204" pitchFamily="18" charset="0"/>
                   </a:rPr>
                   <a:t>または</a:t>
@@ -9527,35 +9531,47 @@
                   </m:oMath>
                 </a14:m>
                 <a:r>
-                  <a:rPr lang="ja-JP" altLang="en-US" b="0">
+                  <a:rPr lang="ja-JP" altLang="en-US" b="0" dirty="0">
                     <a:latin typeface="Cambria Math" panose="02040503050406030204" pitchFamily="18" charset="0"/>
                   </a:rPr>
                   <a:t>　</a:t>
                 </a:r>
                 <a:r>
-                  <a:rPr lang="ja-JP" altLang="en-US" sz="1200" b="0">
+                  <a:rPr lang="ja-JP" altLang="en-US" sz="1200" b="0" dirty="0">
                     <a:latin typeface="Cambria Math" panose="02040503050406030204" pitchFamily="18" charset="0"/>
                   </a:rPr>
-                  <a:t>（こっちは特異点なので基本どうでもよい）</a:t>
+                  <a:t>（こっちは特異点なので</a:t>
                 </a:r>
-                <a:endParaRPr lang="en-US" altLang="ja-JP" sz="1200" b="0">
+                <a:r>
+                  <a:rPr lang="ja-JP" altLang="en-US" sz="1200" dirty="0">
+                    <a:latin typeface="Cambria Math" panose="02040503050406030204" pitchFamily="18" charset="0"/>
+                  </a:rPr>
+                  <a:t>後で考える</a:t>
+                </a:r>
+                <a:r>
+                  <a:rPr lang="ja-JP" altLang="en-US" sz="1200" b="0" dirty="0">
+                    <a:latin typeface="Cambria Math" panose="02040503050406030204" pitchFamily="18" charset="0"/>
+                  </a:rPr>
+                  <a:t>）</a:t>
+                </a:r>
+                <a:endParaRPr lang="en-US" altLang="ja-JP" sz="1200" b="0" dirty="0">
                   <a:latin typeface="Cambria Math" panose="02040503050406030204" pitchFamily="18" charset="0"/>
                 </a:endParaRPr>
               </a:p>
               <a:p>
                 <a:br>
-                  <a:rPr lang="en-US" altLang="ja-JP" i="1">
+                  <a:rPr lang="en-US" altLang="ja-JP" i="1" dirty="0">
                     <a:latin typeface="Cambria Math" panose="02040503050406030204" pitchFamily="18" charset="0"/>
                   </a:rPr>
                 </a:br>
-                <a:endParaRPr lang="en-US" altLang="ja-JP" b="0" i="1">
+                <a:endParaRPr lang="en-US" altLang="ja-JP" b="0" i="1" dirty="0">
                   <a:latin typeface="Cambria Math" panose="02040503050406030204" pitchFamily="18" charset="0"/>
                 </a:endParaRPr>
               </a:p>
             </p:txBody>
           </p:sp>
         </mc:Choice>
-        <mc:Fallback xmlns="">
+        <mc:Fallback>
           <p:sp>
             <p:nvSpPr>
               <p:cNvPr id="10" name="テキスト ボックス 9">
@@ -9573,7 +9589,7 @@
             <p:spPr>
               <a:xfrm>
                 <a:off x="838200" y="1758047"/>
-                <a:ext cx="5973687" cy="2379626"/>
+                <a:ext cx="5512022" cy="2379626"/>
               </a:xfrm>
               <a:prstGeom prst="rect">
                 <a:avLst/>
@@ -9581,7 +9597,7 @@
               <a:blipFill>
                 <a:blip r:embed="rId2"/>
                 <a:stretch>
-                  <a:fillRect l="-919" t="-1023"/>
+                  <a:fillRect l="-996" t="-1023"/>
                 </a:stretch>
               </a:blipFill>
             </p:spPr>
@@ -15595,8 +15611,8 @@
           </a:fontRef>
         </p:style>
       </p:cxnSp>
-      <mc:AlternateContent xmlns:mc="http://schemas.openxmlformats.org/markup-compatibility/2006" xmlns:a14="http://schemas.microsoft.com/office/drawing/2010/main">
-        <mc:Choice Requires="a14">
+      <mc:AlternateContent xmlns:mc="http://schemas.openxmlformats.org/markup-compatibility/2006">
+        <mc:Choice xmlns:a14="http://schemas.microsoft.com/office/drawing/2010/main" Requires="a14">
           <p:sp>
             <p:nvSpPr>
               <p:cNvPr id="20" name="テキスト ボックス 19">
@@ -15612,7 +15628,7 @@
             <p:spPr>
               <a:xfrm>
                 <a:off x="5702952" y="3148357"/>
-                <a:ext cx="5973687" cy="1825628"/>
+                <a:ext cx="5512022" cy="1825628"/>
               </a:xfrm>
               <a:prstGeom prst="rect">
                 <a:avLst/>
@@ -15625,7 +15641,7 @@
               </a:bodyPr>
               <a:lstStyle/>
               <a:p>
-                <a:endParaRPr lang="en-US" altLang="ja-JP" i="1">
+                <a:endParaRPr lang="en-US" altLang="ja-JP" i="1" dirty="0">
                   <a:latin typeface="Cambria Math" panose="02040503050406030204" pitchFamily="18" charset="0"/>
                 </a:endParaRPr>
               </a:p>
@@ -15664,7 +15680,7 @@
                   </m:oMath>
                 </a14:m>
                 <a:r>
-                  <a:rPr lang="ja-JP" altLang="en-US">
+                  <a:rPr lang="ja-JP" altLang="en-US" dirty="0">
                     <a:latin typeface="Cambria Math" panose="02040503050406030204" pitchFamily="18" charset="0"/>
                   </a:rPr>
                   <a:t>の制約条件での</a:t>
@@ -15697,34 +15713,34 @@
                   </m:oMath>
                 </a14:m>
                 <a:r>
-                  <a:rPr lang="ja-JP" altLang="en-US">
+                  <a:rPr lang="ja-JP" altLang="en-US" dirty="0">
                     <a:latin typeface="Cambria Math" panose="02040503050406030204" pitchFamily="18" charset="0"/>
                   </a:rPr>
                   <a:t>の極値は、</a:t>
                 </a:r>
-                <a:endParaRPr lang="en-US" altLang="ja-JP">
+                <a:endParaRPr lang="en-US" altLang="ja-JP" dirty="0">
                   <a:latin typeface="Cambria Math" panose="02040503050406030204" pitchFamily="18" charset="0"/>
                 </a:endParaRPr>
               </a:p>
               <a:p>
                 <a:r>
-                  <a:rPr lang="ja-JP" altLang="en-US">
+                  <a:rPr lang="ja-JP" altLang="en-US" dirty="0">
                     <a:latin typeface="Cambria Math" panose="02040503050406030204" pitchFamily="18" charset="0"/>
                   </a:rPr>
                   <a:t>下記のいずれかを満たす</a:t>
                 </a:r>
-                <a:endParaRPr lang="en-US" altLang="ja-JP">
+                <a:endParaRPr lang="en-US" altLang="ja-JP" dirty="0">
                   <a:latin typeface="Cambria Math" panose="02040503050406030204" pitchFamily="18" charset="0"/>
                 </a:endParaRPr>
               </a:p>
               <a:p>
-                <a:endParaRPr lang="en-US" altLang="ja-JP" b="0" i="1">
+                <a:endParaRPr lang="en-US" altLang="ja-JP" b="0" i="1" dirty="0">
                   <a:latin typeface="Cambria Math" panose="02040503050406030204" pitchFamily="18" charset="0"/>
                 </a:endParaRPr>
               </a:p>
               <a:p>
                 <a:r>
-                  <a:rPr lang="ja-JP" altLang="en-US" b="0"/>
+                  <a:rPr lang="ja-JP" altLang="en-US" b="0" dirty="0"/>
                   <a:t>・</a:t>
                 </a:r>
                 <a14:m>
@@ -15815,19 +15831,19 @@
                     </m:r>
                   </m:oMath>
                 </a14:m>
-                <a:endParaRPr lang="en-US" altLang="ja-JP">
+                <a:endParaRPr lang="en-US" altLang="ja-JP" dirty="0">
                   <a:latin typeface="Cambria Math" panose="02040503050406030204" pitchFamily="18" charset="0"/>
                 </a:endParaRPr>
               </a:p>
               <a:p>
                 <a:r>
-                  <a:rPr lang="ja-JP" altLang="en-US" b="0">
+                  <a:rPr lang="ja-JP" altLang="en-US" b="0" dirty="0">
                     <a:latin typeface="Cambria Math" panose="02040503050406030204" pitchFamily="18" charset="0"/>
                   </a:rPr>
                   <a:t>・</a:t>
                 </a:r>
                 <a:r>
-                  <a:rPr lang="ja-JP" altLang="en-US">
+                  <a:rPr lang="ja-JP" altLang="en-US" dirty="0">
                     <a:latin typeface="Cambria Math" panose="02040503050406030204" pitchFamily="18" charset="0"/>
                   </a:rPr>
                   <a:t>または</a:t>
@@ -15886,25 +15902,25 @@
                   </m:oMath>
                 </a14:m>
                 <a:r>
-                  <a:rPr lang="ja-JP" altLang="en-US" b="0">
+                  <a:rPr lang="ja-JP" altLang="en-US" b="0" dirty="0">
                     <a:latin typeface="Cambria Math" panose="02040503050406030204" pitchFamily="18" charset="0"/>
                   </a:rPr>
                   <a:t>　</a:t>
                 </a:r>
                 <a:r>
-                  <a:rPr lang="ja-JP" altLang="en-US" sz="1200" b="0">
+                  <a:rPr lang="ja-JP" altLang="en-US" sz="1200" b="0" dirty="0">
                     <a:latin typeface="Cambria Math" panose="02040503050406030204" pitchFamily="18" charset="0"/>
                   </a:rPr>
-                  <a:t>（こっちは特異点なので基本どうでもよい）</a:t>
+                  <a:t>（こっちは特異点なので後で考える）</a:t>
                 </a:r>
-                <a:endParaRPr lang="en-US" altLang="ja-JP" sz="1200" b="0">
+                <a:endParaRPr lang="en-US" altLang="ja-JP" sz="1200" b="0" dirty="0">
                   <a:latin typeface="Cambria Math" panose="02040503050406030204" pitchFamily="18" charset="0"/>
                 </a:endParaRPr>
               </a:p>
             </p:txBody>
           </p:sp>
         </mc:Choice>
-        <mc:Fallback xmlns="">
+        <mc:Fallback>
           <p:sp>
             <p:nvSpPr>
               <p:cNvPr id="20" name="テキスト ボックス 19">
@@ -15922,7 +15938,7 @@
             <p:spPr>
               <a:xfrm>
                 <a:off x="5702952" y="3148357"/>
-                <a:ext cx="5973687" cy="1825628"/>
+                <a:ext cx="5512022" cy="1825628"/>
               </a:xfrm>
               <a:prstGeom prst="rect">
                 <a:avLst/>
@@ -15930,7 +15946,7 @@
               <a:blipFill>
                 <a:blip r:embed="rId4"/>
                 <a:stretch>
-                  <a:fillRect l="-919" b="-4000"/>
+                  <a:fillRect l="-996" b="-4000"/>
                 </a:stretch>
               </a:blipFill>
             </p:spPr>
